--- a/Flappy Bird.pptx
+++ b/Flappy Bird.pptx
@@ -12,6 +12,7 @@
     <p:sldId id="260" r:id="rId6"/>
     <p:sldId id="261" r:id="rId7"/>
     <p:sldId id="262" r:id="rId8"/>
+    <p:sldId id="263" r:id="rId9"/>
   </p:sldIdLst>
   <p:sldSz cx="9144000" cy="6858000" type="screen4x3"/>
   <p:notesSz cx="6858000" cy="9144000"/>
@@ -3670,15 +3671,15 @@
           <a:p>
             <a:r>
               <a:rPr lang="ru-RU" dirty="0" smtClean="0"/>
-              <a:t>В игре существует 1 </a:t>
+              <a:t>В игре существует 2 </a:t>
             </a:r>
             <a:r>
               <a:rPr lang="ru-RU" dirty="0" err="1" smtClean="0"/>
-              <a:t>скин</a:t>
+              <a:t>скина</a:t>
             </a:r>
             <a:r>
               <a:rPr lang="ru-RU" dirty="0" smtClean="0"/>
-              <a:t> для птицы: «Воробей»</a:t>
+              <a:t> для птицы: «Воробей», «Большая птица</a:t>
             </a:r>
             <a:endParaRPr lang="ru-RU" dirty="0"/>
           </a:p>
@@ -3686,7 +3687,7 @@
       </p:sp>
       <p:pic>
         <p:nvPicPr>
-          <p:cNvPr id="4" name="Рисунок 3" descr="slide4.png"/>
+          <p:cNvPr id="5" name="Рисунок 4" descr="slide5.png"/>
           <p:cNvPicPr>
             <a:picLocks noChangeAspect="1"/>
           </p:cNvPicPr>
@@ -3700,8 +3701,8 @@
         </p:blipFill>
         <p:spPr>
           <a:xfrm>
-            <a:off x="1475656" y="3789040"/>
-            <a:ext cx="6211167" cy="2705478"/>
+            <a:off x="1547664" y="3789040"/>
+            <a:ext cx="6173062" cy="2810267"/>
           </a:xfrm>
           <a:prstGeom prst="rect">
             <a:avLst/>
@@ -3815,6 +3816,171 @@
           <a:xfrm>
             <a:off x="4644008" y="5589240"/>
             <a:ext cx="1179823" cy="648072"/>
+          </a:xfrm>
+          <a:prstGeom prst="rect">
+            <a:avLst/>
+          </a:prstGeom>
+        </p:spPr>
+      </p:pic>
+    </p:spTree>
+  </p:cSld>
+  <p:clrMapOvr>
+    <a:masterClrMapping/>
+  </p:clrMapOvr>
+</p:sld>
+</file>
+
+<file path=ppt/slides/slide8.xml><?xml version="1.0" encoding="utf-8"?>
+<p:sld xmlns:a="http://schemas.openxmlformats.org/drawingml/2006/main" xmlns:r="http://schemas.openxmlformats.org/officeDocument/2006/relationships" xmlns:p="http://schemas.openxmlformats.org/presentationml/2006/main">
+  <p:cSld>
+    <p:spTree>
+      <p:nvGrpSpPr>
+        <p:cNvPr id="1" name=""/>
+        <p:cNvGrpSpPr/>
+        <p:nvPr/>
+      </p:nvGrpSpPr>
+      <p:grpSpPr>
+        <a:xfrm>
+          <a:off x="0" y="0"/>
+          <a:ext cx="0" cy="0"/>
+          <a:chOff x="0" y="0"/>
+          <a:chExt cx="0" cy="0"/>
+        </a:xfrm>
+      </p:grpSpPr>
+      <p:sp>
+        <p:nvSpPr>
+          <p:cNvPr id="2" name="Заголовок 1"/>
+          <p:cNvSpPr>
+            <a:spLocks noGrp="1"/>
+          </p:cNvSpPr>
+          <p:nvPr>
+            <p:ph type="title"/>
+          </p:nvPr>
+        </p:nvSpPr>
+        <p:spPr/>
+        <p:txBody>
+          <a:bodyPr/>
+          <a:lstStyle/>
+          <a:p>
+            <a:r>
+              <a:rPr lang="ru-RU" dirty="0" smtClean="0"/>
+              <a:t>Сохранение.</a:t>
+            </a:r>
+            <a:endParaRPr lang="ru-RU" dirty="0"/>
+          </a:p>
+        </p:txBody>
+      </p:sp>
+      <p:sp>
+        <p:nvSpPr>
+          <p:cNvPr id="3" name="Содержимое 2"/>
+          <p:cNvSpPr>
+            <a:spLocks noGrp="1"/>
+          </p:cNvSpPr>
+          <p:nvPr>
+            <p:ph idx="1"/>
+          </p:nvPr>
+        </p:nvSpPr>
+        <p:spPr/>
+        <p:txBody>
+          <a:bodyPr/>
+          <a:lstStyle/>
+          <a:p>
+            <a:r>
+              <a:rPr lang="ru-RU" dirty="0" smtClean="0"/>
+              <a:t>Игровой счёт сохраняется в файл «</a:t>
+            </a:r>
+            <a:r>
+              <a:rPr lang="en-US" dirty="0" smtClean="0"/>
+              <a:t>score.txt</a:t>
+            </a:r>
+            <a:r>
+              <a:rPr lang="ru-RU" dirty="0" smtClean="0"/>
+              <a:t>», который создаётся при первой игре.</a:t>
+            </a:r>
+          </a:p>
+          <a:p>
+            <a:r>
+              <a:rPr lang="ru-RU" dirty="0" smtClean="0"/>
+              <a:t>Значение очков можно легко изменить, чтоб осмотреть игровые </a:t>
+            </a:r>
+            <a:r>
+              <a:rPr lang="ru-RU" dirty="0" err="1" smtClean="0"/>
+              <a:t>скниы</a:t>
+            </a:r>
+            <a:r>
+              <a:rPr lang="ru-RU" dirty="0" smtClean="0"/>
+              <a:t>.</a:t>
+            </a:r>
+            <a:endParaRPr lang="ru-RU" dirty="0"/>
+          </a:p>
+        </p:txBody>
+      </p:sp>
+      <p:pic>
+        <p:nvPicPr>
+          <p:cNvPr id="4" name="Рисунок 3" descr="Sprite-02.png"/>
+          <p:cNvPicPr>
+            <a:picLocks noChangeAspect="1"/>
+          </p:cNvPicPr>
+          <p:nvPr/>
+        </p:nvPicPr>
+        <p:blipFill>
+          <a:blip r:embed="rId2" cstate="print"/>
+          <a:stretch>
+            <a:fillRect/>
+          </a:stretch>
+        </p:blipFill>
+        <p:spPr>
+          <a:xfrm>
+            <a:off x="6588224" y="980728"/>
+            <a:ext cx="1124687" cy="617786"/>
+          </a:xfrm>
+          <a:prstGeom prst="rect">
+            <a:avLst/>
+          </a:prstGeom>
+        </p:spPr>
+      </p:pic>
+      <p:pic>
+        <p:nvPicPr>
+          <p:cNvPr id="5" name="Рисунок 4" descr="Sprite-04.png"/>
+          <p:cNvPicPr>
+            <a:picLocks noChangeAspect="1"/>
+          </p:cNvPicPr>
+          <p:nvPr/>
+        </p:nvPicPr>
+        <p:blipFill>
+          <a:blip r:embed="rId3" cstate="print"/>
+          <a:stretch>
+            <a:fillRect/>
+          </a:stretch>
+        </p:blipFill>
+        <p:spPr>
+          <a:xfrm rot="5400000" flipH="1">
+            <a:off x="2224102" y="5416858"/>
+            <a:ext cx="879372" cy="504056"/>
+          </a:xfrm>
+          <a:prstGeom prst="rect">
+            <a:avLst/>
+          </a:prstGeom>
+        </p:spPr>
+      </p:pic>
+      <p:pic>
+        <p:nvPicPr>
+          <p:cNvPr id="6" name="Рисунок 5" descr="Sprite-Tube1.png"/>
+          <p:cNvPicPr>
+            <a:picLocks noChangeAspect="1"/>
+          </p:cNvPicPr>
+          <p:nvPr/>
+        </p:nvPicPr>
+        <p:blipFill>
+          <a:blip r:embed="rId4" cstate="print"/>
+          <a:stretch>
+            <a:fillRect/>
+          </a:stretch>
+        </p:blipFill>
+        <p:spPr>
+          <a:xfrm>
+            <a:off x="1547664" y="4941168"/>
+            <a:ext cx="857250" cy="1916832"/>
           </a:xfrm>
           <a:prstGeom prst="rect">
             <a:avLst/>
